--- a/Project_ZX.pptx
+++ b/Project_ZX.pptx
@@ -6,10 +6,10 @@
     <p:sldMasterId id="2147483665" r:id="rId2"/>
   </p:sldMasterIdLst>
   <p:notesMasterIdLst>
-    <p:notesMasterId r:id="rId12"/>
+    <p:notesMasterId r:id="rId15"/>
   </p:notesMasterIdLst>
   <p:handoutMasterIdLst>
-    <p:handoutMasterId r:id="rId13"/>
+    <p:handoutMasterId r:id="rId16"/>
   </p:handoutMasterIdLst>
   <p:sldIdLst>
     <p:sldId id="256" r:id="rId3"/>
@@ -21,6 +21,9 @@
     <p:sldId id="262" r:id="rId9"/>
     <p:sldId id="264" r:id="rId10"/>
     <p:sldId id="263" r:id="rId11"/>
+    <p:sldId id="265" r:id="rId12"/>
+    <p:sldId id="267" r:id="rId13"/>
+    <p:sldId id="266" r:id="rId14"/>
   </p:sldIdLst>
   <p:sldSz cx="12192000" cy="6858000"/>
   <p:notesSz cx="6858000" cy="9144000"/>
@@ -209,7 +212,7 @@
           <a:p>
             <a:fld id="{7FB24DFB-AB40-FA45-8F93-82085BCDCA99}" type="datetimeFigureOut">
               <a:rPr lang="en-US" smtClean="0"/>
-              <a:t>5/21/19</a:t>
+              <a:t>5/26/19</a:t>
             </a:fld>
             <a:endParaRPr lang="en-US"/>
           </a:p>
@@ -375,7 +378,7 @@
           <a:p>
             <a:fld id="{CAAE8AE0-326A-F14F-B234-21164059AE0E}" type="datetimeFigureOut">
               <a:rPr lang="en-US" smtClean="0"/>
-              <a:t>5/21/19</a:t>
+              <a:t>5/26/19</a:t>
             </a:fld>
             <a:endParaRPr lang="en-US"/>
           </a:p>
@@ -1000,7 +1003,7 @@
           <a:p>
             <a:fld id="{6BB65A87-7561-8748-9D5A-2E401F61E011}" type="datetime1">
               <a:rPr lang="en-SG" smtClean="0"/>
-              <a:t>21/5/19</a:t>
+              <a:t>26/5/19</a:t>
             </a:fld>
             <a:endParaRPr lang="en-US" dirty="0"/>
           </a:p>
@@ -1320,7 +1323,7 @@
           <a:p>
             <a:fld id="{6E3AE8C8-30D6-8842-AA46-8CA683BEFCCA}" type="datetime1">
               <a:rPr lang="en-SG" smtClean="0"/>
-              <a:t>21/5/19</a:t>
+              <a:t>26/5/19</a:t>
             </a:fld>
             <a:endParaRPr lang="en-US" dirty="0"/>
           </a:p>
@@ -1721,7 +1724,7 @@
           <a:p>
             <a:fld id="{88D32C9C-6805-1B47-9895-5826C7F1FC8A}" type="datetime1">
               <a:rPr lang="en-SG" smtClean="0"/>
-              <a:t>21/5/19</a:t>
+              <a:t>26/5/19</a:t>
             </a:fld>
             <a:endParaRPr lang="en-US" dirty="0"/>
           </a:p>
@@ -2057,7 +2060,7 @@
           <a:p>
             <a:fld id="{E57C2A4C-288C-454A-9ACF-C93A103E0215}" type="datetime1">
               <a:rPr lang="en-SG" smtClean="0"/>
-              <a:t>21/5/19</a:t>
+              <a:t>26/5/19</a:t>
             </a:fld>
             <a:endParaRPr lang="en-US" dirty="0"/>
           </a:p>
@@ -2377,7 +2380,7 @@
           <a:p>
             <a:fld id="{1C422EBA-F01D-894C-B58E-B904ED2011DF}" type="datetime1">
               <a:rPr lang="en-SG" smtClean="0"/>
-              <a:t>21/5/19</a:t>
+              <a:t>26/5/19</a:t>
             </a:fld>
             <a:endParaRPr lang="en-US" dirty="0"/>
           </a:p>
@@ -2773,7 +2776,7 @@
           <a:p>
             <a:fld id="{694D4F0B-DB22-1940-B710-D005B8572420}" type="datetime1">
               <a:rPr lang="en-SG" smtClean="0"/>
-              <a:t>21/5/19</a:t>
+              <a:t>26/5/19</a:t>
             </a:fld>
             <a:endParaRPr lang="en-US" dirty="0"/>
           </a:p>
@@ -3030,7 +3033,7 @@
           <a:p>
             <a:fld id="{38B10062-8F39-344D-8304-4D9E8E2CB5C4}" type="datetime1">
               <a:rPr lang="en-SG" smtClean="0"/>
-              <a:t>21/5/19</a:t>
+              <a:t>26/5/19</a:t>
             </a:fld>
             <a:endParaRPr lang="en-US" dirty="0"/>
           </a:p>
@@ -3292,7 +3295,7 @@
           <a:p>
             <a:fld id="{B242618B-2530-A340-98BA-048F98130A9D}" type="datetime1">
               <a:rPr lang="en-SG" smtClean="0"/>
-              <a:t>21/5/19</a:t>
+              <a:t>26/5/19</a:t>
             </a:fld>
             <a:endParaRPr lang="en-US" dirty="0"/>
           </a:p>
@@ -3566,7 +3569,7 @@
           <a:p>
             <a:fld id="{72034E26-0ADE-3641-823C-2B44857F41B3}" type="datetimeFigureOut">
               <a:rPr lang="en-US" smtClean="0"/>
-              <a:t>5/21/19</a:t>
+              <a:t>5/26/19</a:t>
             </a:fld>
             <a:endParaRPr lang="en-US"/>
           </a:p>
@@ -3736,7 +3739,7 @@
           <a:p>
             <a:fld id="{72034E26-0ADE-3641-823C-2B44857F41B3}" type="datetimeFigureOut">
               <a:rPr lang="en-US" smtClean="0"/>
-              <a:t>5/21/19</a:t>
+              <a:t>5/26/19</a:t>
             </a:fld>
             <a:endParaRPr lang="en-US"/>
           </a:p>
@@ -3982,7 +3985,7 @@
           <a:p>
             <a:fld id="{72034E26-0ADE-3641-823C-2B44857F41B3}" type="datetimeFigureOut">
               <a:rPr lang="en-US" smtClean="0"/>
-              <a:t>5/21/19</a:t>
+              <a:t>5/26/19</a:t>
             </a:fld>
             <a:endParaRPr lang="en-US"/>
           </a:p>
@@ -4162,7 +4165,7 @@
           <a:p>
             <a:fld id="{520E2373-3C17-A14C-9EBD-16CB90A5F44B}" type="datetime1">
               <a:rPr lang="en-SG" smtClean="0"/>
-              <a:t>21/5/19</a:t>
+              <a:t>26/5/19</a:t>
             </a:fld>
             <a:endParaRPr lang="en-US" dirty="0"/>
           </a:p>
@@ -4476,7 +4479,7 @@
           <a:p>
             <a:fld id="{72034E26-0ADE-3641-823C-2B44857F41B3}" type="datetimeFigureOut">
               <a:rPr lang="en-US" smtClean="0"/>
-              <a:t>5/21/19</a:t>
+              <a:t>5/26/19</a:t>
             </a:fld>
             <a:endParaRPr lang="en-US"/>
           </a:p>
@@ -4843,7 +4846,7 @@
           <a:p>
             <a:fld id="{72034E26-0ADE-3641-823C-2B44857F41B3}" type="datetimeFigureOut">
               <a:rPr lang="en-US" smtClean="0"/>
-              <a:t>5/21/19</a:t>
+              <a:t>5/26/19</a:t>
             </a:fld>
             <a:endParaRPr lang="en-US"/>
           </a:p>
@@ -4961,7 +4964,7 @@
           <a:p>
             <a:fld id="{72034E26-0ADE-3641-823C-2B44857F41B3}" type="datetimeFigureOut">
               <a:rPr lang="en-US" smtClean="0"/>
-              <a:t>5/21/19</a:t>
+              <a:t>5/26/19</a:t>
             </a:fld>
             <a:endParaRPr lang="en-US"/>
           </a:p>
@@ -5056,7 +5059,7 @@
           <a:p>
             <a:fld id="{72034E26-0ADE-3641-823C-2B44857F41B3}" type="datetimeFigureOut">
               <a:rPr lang="en-US" smtClean="0"/>
-              <a:t>5/21/19</a:t>
+              <a:t>5/26/19</a:t>
             </a:fld>
             <a:endParaRPr lang="en-US"/>
           </a:p>
@@ -5333,7 +5336,7 @@
           <a:p>
             <a:fld id="{72034E26-0ADE-3641-823C-2B44857F41B3}" type="datetimeFigureOut">
               <a:rPr lang="en-US" smtClean="0"/>
-              <a:t>5/21/19</a:t>
+              <a:t>5/26/19</a:t>
             </a:fld>
             <a:endParaRPr lang="en-US"/>
           </a:p>
@@ -5586,7 +5589,7 @@
           <a:p>
             <a:fld id="{72034E26-0ADE-3641-823C-2B44857F41B3}" type="datetimeFigureOut">
               <a:rPr lang="en-US" smtClean="0"/>
-              <a:t>5/21/19</a:t>
+              <a:t>5/26/19</a:t>
             </a:fld>
             <a:endParaRPr lang="en-US"/>
           </a:p>
@@ -5756,7 +5759,7 @@
           <a:p>
             <a:fld id="{72034E26-0ADE-3641-823C-2B44857F41B3}" type="datetimeFigureOut">
               <a:rPr lang="en-US" smtClean="0"/>
-              <a:t>5/21/19</a:t>
+              <a:t>5/26/19</a:t>
             </a:fld>
             <a:endParaRPr lang="en-US"/>
           </a:p>
@@ -5936,7 +5939,7 @@
           <a:p>
             <a:fld id="{72034E26-0ADE-3641-823C-2B44857F41B3}" type="datetimeFigureOut">
               <a:rPr lang="en-US" smtClean="0"/>
-              <a:t>5/21/19</a:t>
+              <a:t>5/26/19</a:t>
             </a:fld>
             <a:endParaRPr lang="en-US"/>
           </a:p>
@@ -6183,7 +6186,7 @@
           <a:p>
             <a:fld id="{D5F47C20-43F1-524F-8F0F-10EE5ACE0E46}" type="datetime1">
               <a:rPr lang="en-SG" smtClean="0"/>
-              <a:t>21/5/19</a:t>
+              <a:t>26/5/19</a:t>
             </a:fld>
             <a:endParaRPr lang="en-US" dirty="0"/>
           </a:p>
@@ -6506,7 +6509,7 @@
           <a:p>
             <a:fld id="{97E3E504-C839-7549-BD2F-617B782C2E47}" type="datetime1">
               <a:rPr lang="en-SG" smtClean="0"/>
-              <a:t>21/5/19</a:t>
+              <a:t>26/5/19</a:t>
             </a:fld>
             <a:endParaRPr lang="en-US" dirty="0"/>
           </a:p>
@@ -6963,7 +6966,7 @@
           <a:p>
             <a:fld id="{B0C59F71-374D-E347-8817-AFA3D20B4E5A}" type="datetime1">
               <a:rPr lang="en-SG" smtClean="0"/>
-              <a:t>21/5/19</a:t>
+              <a:t>26/5/19</a:t>
             </a:fld>
             <a:endParaRPr lang="en-US" dirty="0"/>
           </a:p>
@@ -7168,7 +7171,7 @@
           <a:p>
             <a:fld id="{FCEF8C09-BE82-AF48-8756-93B88EE8ED76}" type="datetime1">
               <a:rPr lang="en-SG" smtClean="0"/>
-              <a:t>21/5/19</a:t>
+              <a:t>26/5/19</a:t>
             </a:fld>
             <a:endParaRPr lang="en-US" dirty="0"/>
           </a:p>
@@ -7345,7 +7348,7 @@
           <a:p>
             <a:fld id="{31E677D5-569A-B740-8470-5ACC666A8C8E}" type="datetime1">
               <a:rPr lang="en-SG" smtClean="0"/>
-              <a:t>21/5/19</a:t>
+              <a:t>26/5/19</a:t>
             </a:fld>
             <a:endParaRPr lang="en-US" dirty="0"/>
           </a:p>
@@ -7678,7 +7681,7 @@
           <a:p>
             <a:fld id="{FD854387-B71C-0240-9EA6-F04D6A845E43}" type="datetime1">
               <a:rPr lang="en-SG" smtClean="0"/>
-              <a:t>21/5/19</a:t>
+              <a:t>26/5/19</a:t>
             </a:fld>
             <a:endParaRPr lang="en-US" dirty="0"/>
           </a:p>
@@ -8023,7 +8026,7 @@
           <a:p>
             <a:fld id="{E809D8FA-A916-474F-A678-3D9A8205BAC0}" type="datetime1">
               <a:rPr lang="en-SG" smtClean="0"/>
-              <a:t>21/5/19</a:t>
+              <a:t>26/5/19</a:t>
             </a:fld>
             <a:endParaRPr lang="en-US" dirty="0"/>
           </a:p>
@@ -10140,7 +10143,7 @@
           <a:p>
             <a:fld id="{DF4BC0E6-22D8-A849-98C3-42F278978BEB}" type="datetime1">
               <a:rPr lang="en-SG" smtClean="0"/>
-              <a:t>21/5/19</a:t>
+              <a:t>26/5/19</a:t>
             </a:fld>
             <a:endParaRPr lang="en-US" dirty="0"/>
           </a:p>
@@ -10794,7 +10797,7 @@
           <a:p>
             <a:fld id="{72034E26-0ADE-3641-823C-2B44857F41B3}" type="datetimeFigureOut">
               <a:rPr lang="en-US" smtClean="0"/>
-              <a:t>5/21/19</a:t>
+              <a:t>5/26/19</a:t>
             </a:fld>
             <a:endParaRPr lang="en-US"/>
           </a:p>
@@ -11352,6 +11355,373 @@
 </p:sld>
 </file>
 
+<file path=ppt/slides/slide10.xml><?xml version="1.0" encoding="utf-8"?>
+<p:sld xmlns:a="http://schemas.openxmlformats.org/drawingml/2006/main" xmlns:r="http://schemas.openxmlformats.org/officeDocument/2006/relationships" xmlns:p="http://schemas.openxmlformats.org/presentationml/2006/main">
+  <p:cSld>
+    <p:spTree>
+      <p:nvGrpSpPr>
+        <p:cNvPr id="1" name=""/>
+        <p:cNvGrpSpPr/>
+        <p:nvPr/>
+      </p:nvGrpSpPr>
+      <p:grpSpPr>
+        <a:xfrm>
+          <a:off x="0" y="0"/>
+          <a:ext cx="0" cy="0"/>
+          <a:chOff x="0" y="0"/>
+          <a:chExt cx="0" cy="0"/>
+        </a:xfrm>
+      </p:grpSpPr>
+      <p:sp>
+        <p:nvSpPr>
+          <p:cNvPr id="2" name="Title 1"/>
+          <p:cNvSpPr>
+            <a:spLocks noGrp="1"/>
+          </p:cNvSpPr>
+          <p:nvPr>
+            <p:ph type="title"/>
+          </p:nvPr>
+        </p:nvSpPr>
+        <p:spPr>
+          <a:xfrm>
+            <a:off x="1543051" y="585788"/>
+            <a:ext cx="9961562" cy="714375"/>
+          </a:xfrm>
+        </p:spPr>
+        <p:txBody>
+          <a:bodyPr/>
+          <a:lstStyle/>
+          <a:p>
+            <a:r>
+              <a:rPr lang="en-US" b="1"/>
+              <a:t>Physical </a:t>
+            </a:r>
+            <a:r>
+              <a:rPr lang="en-US" b="1" smtClean="0"/>
+              <a:t>Architecture</a:t>
+            </a:r>
+            <a:endParaRPr lang="en-US"/>
+          </a:p>
+        </p:txBody>
+      </p:sp>
+      <p:sp>
+        <p:nvSpPr>
+          <p:cNvPr id="4" name="Slide Number Placeholder 3"/>
+          <p:cNvSpPr>
+            <a:spLocks noGrp="1"/>
+          </p:cNvSpPr>
+          <p:nvPr>
+            <p:ph type="sldNum" sz="quarter" idx="12"/>
+          </p:nvPr>
+        </p:nvSpPr>
+        <p:spPr/>
+        <p:txBody>
+          <a:bodyPr/>
+          <a:lstStyle/>
+          <a:p>
+            <a:fld id="{D57F1E4F-1CFF-5643-939E-217C01CDF565}" type="slidenum">
+              <a:rPr lang="en-US" smtClean="0"/>
+              <a:pPr/>
+              <a:t>10</a:t>
+            </a:fld>
+            <a:endParaRPr lang="en-US" dirty="0"/>
+          </a:p>
+        </p:txBody>
+      </p:sp>
+      <p:pic>
+        <p:nvPicPr>
+          <p:cNvPr id="5" name="Content Placeholder 4" descr="../../../Downloads/Ijooz_Logical-Physical%20Architecture.png"/>
+          <p:cNvPicPr>
+            <a:picLocks noGrp="1"/>
+          </p:cNvPicPr>
+          <p:nvPr>
+            <p:ph idx="1"/>
+          </p:nvPr>
+        </p:nvPicPr>
+        <p:blipFill>
+          <a:blip r:embed="rId2">
+            <a:extLst>
+              <a:ext uri="{28A0092B-C50C-407E-A947-70E740481C1C}">
+                <a14:useLocalDpi xmlns:a14="http://schemas.microsoft.com/office/drawing/2010/main" val="0"/>
+              </a:ext>
+            </a:extLst>
+          </a:blip>
+          <a:srcRect/>
+          <a:stretch>
+            <a:fillRect/>
+          </a:stretch>
+        </p:blipFill>
+        <p:spPr bwMode="auto">
+          <a:xfrm>
+            <a:off x="642939" y="1300163"/>
+            <a:ext cx="11387136" cy="5557837"/>
+          </a:xfrm>
+          <a:prstGeom prst="rect">
+            <a:avLst/>
+          </a:prstGeom>
+          <a:noFill/>
+          <a:ln>
+            <a:noFill/>
+          </a:ln>
+        </p:spPr>
+      </p:pic>
+    </p:spTree>
+    <p:extLst>
+      <p:ext uri="{BB962C8B-B14F-4D97-AF65-F5344CB8AC3E}">
+        <p14:creationId xmlns:p14="http://schemas.microsoft.com/office/powerpoint/2010/main" val="1233805520"/>
+      </p:ext>
+    </p:extLst>
+  </p:cSld>
+  <p:clrMapOvr>
+    <a:masterClrMapping/>
+  </p:clrMapOvr>
+</p:sld>
+</file>
+
+<file path=ppt/slides/slide11.xml><?xml version="1.0" encoding="utf-8"?>
+<p:sld xmlns:a="http://schemas.openxmlformats.org/drawingml/2006/main" xmlns:r="http://schemas.openxmlformats.org/officeDocument/2006/relationships" xmlns:p="http://schemas.openxmlformats.org/presentationml/2006/main">
+  <p:cSld>
+    <p:spTree>
+      <p:nvGrpSpPr>
+        <p:cNvPr id="1" name=""/>
+        <p:cNvGrpSpPr/>
+        <p:nvPr/>
+      </p:nvGrpSpPr>
+      <p:grpSpPr>
+        <a:xfrm>
+          <a:off x="0" y="0"/>
+          <a:ext cx="0" cy="0"/>
+          <a:chOff x="0" y="0"/>
+          <a:chExt cx="0" cy="0"/>
+        </a:xfrm>
+      </p:grpSpPr>
+      <p:sp>
+        <p:nvSpPr>
+          <p:cNvPr id="2" name="Title 1"/>
+          <p:cNvSpPr>
+            <a:spLocks noGrp="1"/>
+          </p:cNvSpPr>
+          <p:nvPr>
+            <p:ph type="title"/>
+          </p:nvPr>
+        </p:nvSpPr>
+        <p:spPr/>
+        <p:txBody>
+          <a:bodyPr>
+            <a:normAutofit/>
+          </a:bodyPr>
+          <a:lstStyle/>
+          <a:p>
+            <a:r>
+              <a:rPr lang="en-US" sz="4000" dirty="0"/>
+              <a:t>Agenda</a:t>
+            </a:r>
+          </a:p>
+        </p:txBody>
+      </p:sp>
+      <p:sp>
+        <p:nvSpPr>
+          <p:cNvPr id="3" name="Content Placeholder 2"/>
+          <p:cNvSpPr>
+            <a:spLocks noGrp="1"/>
+          </p:cNvSpPr>
+          <p:nvPr>
+            <p:ph idx="1"/>
+          </p:nvPr>
+        </p:nvSpPr>
+        <p:spPr/>
+        <p:txBody>
+          <a:bodyPr/>
+          <a:lstStyle/>
+          <a:p>
+            <a:r>
+              <a:rPr lang="en-US" sz="3600" dirty="0"/>
+              <a:t>Overview</a:t>
+            </a:r>
+          </a:p>
+          <a:p>
+            <a:r>
+              <a:rPr lang="en-US" sz="3600" dirty="0"/>
+              <a:t>Logical Architecture</a:t>
+            </a:r>
+          </a:p>
+          <a:p>
+            <a:r>
+              <a:rPr lang="en-US" sz="3600" dirty="0"/>
+              <a:t>Physical Architecture</a:t>
+            </a:r>
+          </a:p>
+          <a:p>
+            <a:r>
+              <a:rPr lang="en-US" sz="3600" b="1" dirty="0"/>
+              <a:t>Implementation Experience</a:t>
+            </a:r>
+          </a:p>
+          <a:p>
+            <a:r>
+              <a:rPr lang="en-US" sz="3600" dirty="0"/>
+              <a:t>Demo</a:t>
+            </a:r>
+          </a:p>
+          <a:p>
+            <a:endParaRPr lang="en-US" dirty="0"/>
+          </a:p>
+        </p:txBody>
+      </p:sp>
+      <p:sp>
+        <p:nvSpPr>
+          <p:cNvPr id="4" name="Slide Number Placeholder 3"/>
+          <p:cNvSpPr>
+            <a:spLocks noGrp="1"/>
+          </p:cNvSpPr>
+          <p:nvPr>
+            <p:ph type="sldNum" sz="quarter" idx="12"/>
+          </p:nvPr>
+        </p:nvSpPr>
+        <p:spPr/>
+        <p:txBody>
+          <a:bodyPr/>
+          <a:lstStyle/>
+          <a:p>
+            <a:fld id="{D57F1E4F-1CFF-5643-939E-217C01CDF565}" type="slidenum">
+              <a:rPr lang="en-US" smtClean="0"/>
+              <a:pPr/>
+              <a:t>11</a:t>
+            </a:fld>
+            <a:endParaRPr lang="en-US" dirty="0"/>
+          </a:p>
+        </p:txBody>
+      </p:sp>
+    </p:spTree>
+    <p:extLst>
+      <p:ext uri="{BB962C8B-B14F-4D97-AF65-F5344CB8AC3E}">
+        <p14:creationId xmlns:p14="http://schemas.microsoft.com/office/powerpoint/2010/main" val="770288171"/>
+      </p:ext>
+    </p:extLst>
+  </p:cSld>
+  <p:clrMapOvr>
+    <a:masterClrMapping/>
+  </p:clrMapOvr>
+  <p:timing>
+    <p:tnLst>
+      <p:par>
+        <p:cTn id="1" dur="indefinite" restart="never" nodeType="tmRoot"/>
+      </p:par>
+    </p:tnLst>
+  </p:timing>
+</p:sld>
+</file>
+
+<file path=ppt/slides/slide12.xml><?xml version="1.0" encoding="utf-8"?>
+<p:sld xmlns:a="http://schemas.openxmlformats.org/drawingml/2006/main" xmlns:r="http://schemas.openxmlformats.org/officeDocument/2006/relationships" xmlns:p="http://schemas.openxmlformats.org/presentationml/2006/main">
+  <p:cSld>
+    <p:spTree>
+      <p:nvGrpSpPr>
+        <p:cNvPr id="1" name=""/>
+        <p:cNvGrpSpPr/>
+        <p:nvPr/>
+      </p:nvGrpSpPr>
+      <p:grpSpPr>
+        <a:xfrm>
+          <a:off x="0" y="0"/>
+          <a:ext cx="0" cy="0"/>
+          <a:chOff x="0" y="0"/>
+          <a:chExt cx="0" cy="0"/>
+        </a:xfrm>
+      </p:grpSpPr>
+      <p:sp>
+        <p:nvSpPr>
+          <p:cNvPr id="2" name="Title 1"/>
+          <p:cNvSpPr>
+            <a:spLocks noGrp="1"/>
+          </p:cNvSpPr>
+          <p:nvPr>
+            <p:ph type="title"/>
+          </p:nvPr>
+        </p:nvSpPr>
+        <p:spPr/>
+        <p:txBody>
+          <a:bodyPr/>
+          <a:lstStyle/>
+          <a:p>
+            <a:r>
+              <a:rPr lang="en-US" dirty="0"/>
+              <a:t>Implementation </a:t>
+            </a:r>
+            <a:r>
+              <a:rPr lang="en-US" dirty="0" smtClean="0"/>
+              <a:t>Experience</a:t>
+            </a:r>
+            <a:endParaRPr lang="en-US" dirty="0"/>
+          </a:p>
+        </p:txBody>
+      </p:sp>
+      <p:sp>
+        <p:nvSpPr>
+          <p:cNvPr id="3" name="Content Placeholder 2"/>
+          <p:cNvSpPr>
+            <a:spLocks noGrp="1"/>
+          </p:cNvSpPr>
+          <p:nvPr>
+            <p:ph idx="1"/>
+          </p:nvPr>
+        </p:nvSpPr>
+        <p:spPr/>
+        <p:txBody>
+          <a:bodyPr/>
+          <a:lstStyle/>
+          <a:p>
+            <a:r>
+              <a:rPr lang="en-US" dirty="0" smtClean="0"/>
+              <a:t>1.Swagger</a:t>
+            </a:r>
+          </a:p>
+          <a:p>
+            <a:r>
+              <a:rPr lang="en-US" smtClean="0"/>
+              <a:t>2.</a:t>
+            </a:r>
+            <a:endParaRPr lang="en-US" dirty="0"/>
+          </a:p>
+        </p:txBody>
+      </p:sp>
+      <p:sp>
+        <p:nvSpPr>
+          <p:cNvPr id="4" name="Slide Number Placeholder 3"/>
+          <p:cNvSpPr>
+            <a:spLocks noGrp="1"/>
+          </p:cNvSpPr>
+          <p:nvPr>
+            <p:ph type="sldNum" sz="quarter" idx="12"/>
+          </p:nvPr>
+        </p:nvSpPr>
+        <p:spPr/>
+        <p:txBody>
+          <a:bodyPr/>
+          <a:lstStyle/>
+          <a:p>
+            <a:fld id="{D57F1E4F-1CFF-5643-939E-217C01CDF565}" type="slidenum">
+              <a:rPr lang="en-US" smtClean="0"/>
+              <a:pPr/>
+              <a:t>12</a:t>
+            </a:fld>
+            <a:endParaRPr lang="en-US" dirty="0"/>
+          </a:p>
+        </p:txBody>
+      </p:sp>
+    </p:spTree>
+    <p:extLst>
+      <p:ext uri="{BB962C8B-B14F-4D97-AF65-F5344CB8AC3E}">
+        <p14:creationId xmlns:p14="http://schemas.microsoft.com/office/powerpoint/2010/main" val="999890961"/>
+      </p:ext>
+    </p:extLst>
+  </p:cSld>
+  <p:clrMapOvr>
+    <a:masterClrMapping/>
+  </p:clrMapOvr>
+</p:sld>
+</file>
+
 <file path=ppt/slides/slide2.xml><?xml version="1.0" encoding="utf-8"?>
 <p:sld xmlns:a="http://schemas.openxmlformats.org/drawingml/2006/main" xmlns:r="http://schemas.openxmlformats.org/officeDocument/2006/relationships" xmlns:p="http://schemas.openxmlformats.org/presentationml/2006/main">
   <p:cSld>
@@ -11745,11 +12115,7 @@
             </a:r>
             <a:r>
               <a:rPr lang="en-GB" sz="2800" dirty="0"/>
-              <a:t>the following requirements:</a:t>
-            </a:r>
-            <a:r>
-              <a:rPr lang="en-GB" sz="2800" dirty="0"/>
-              <a:t> </a:t>
+              <a:t>the following requirements: </a:t>
             </a:r>
             <a:endParaRPr lang="en-GB" sz="2800" dirty="0" smtClean="0"/>
           </a:p>
